--- a/csc402-ln007.pptx
+++ b/csc402-ln007.pptx
@@ -232,14 +232,14 @@
               <ma14:placeholderFlag xmlns:ma14="http://schemas.microsoft.com/office/mac/drawingml/2011/main" val="1"/>
             </a:ext>
             <a:ext uri="{909E8E84-426E-40dd-AFC4-6F175D3DCCD1}">
-              <a14:hiddenFill xmlns="" xmlns:a14="http://schemas.microsoft.com/office/drawing/2010/main">
+              <a14:hiddenFill xmlns:a14="http://schemas.microsoft.com/office/drawing/2010/main" xmlns="">
                 <a:solidFill>
                   <a:schemeClr val="accent1"/>
                 </a:solidFill>
               </a14:hiddenFill>
             </a:ext>
             <a:ext uri="{91240B29-F687-4f45-9708-019B960494DF}">
-              <a14:hiddenLine xmlns="" xmlns:a14="http://schemas.microsoft.com/office/drawing/2010/main" w="9525">
+              <a14:hiddenLine xmlns:a14="http://schemas.microsoft.com/office/drawing/2010/main" xmlns="" w="9525">
                 <a:solidFill>
                   <a:schemeClr val="tx1"/>
                 </a:solidFill>
@@ -293,14 +293,14 @@
               <ma14:placeholderFlag xmlns:ma14="http://schemas.microsoft.com/office/mac/drawingml/2011/main" val="1"/>
             </a:ext>
             <a:ext uri="{909E8E84-426E-40dd-AFC4-6F175D3DCCD1}">
-              <a14:hiddenFill xmlns="" xmlns:a14="http://schemas.microsoft.com/office/drawing/2010/main">
+              <a14:hiddenFill xmlns:a14="http://schemas.microsoft.com/office/drawing/2010/main" xmlns="">
                 <a:solidFill>
                   <a:schemeClr val="accent1"/>
                 </a:solidFill>
               </a14:hiddenFill>
             </a:ext>
             <a:ext uri="{91240B29-F687-4f45-9708-019B960494DF}">
-              <a14:hiddenLine xmlns="" xmlns:a14="http://schemas.microsoft.com/office/drawing/2010/main" w="9525">
+              <a14:hiddenLine xmlns:a14="http://schemas.microsoft.com/office/drawing/2010/main" xmlns="" w="9525">
                 <a:solidFill>
                   <a:schemeClr val="tx1"/>
                 </a:solidFill>
@@ -357,7 +357,7 @@
           <a:effectLst/>
           <a:extLst>
             <a:ext uri="{AF507438-7753-43e0-B8FC-AC1667EBCBE1}">
-              <a14:hiddenEffects xmlns="" xmlns:a14="http://schemas.microsoft.com/office/drawing/2010/main">
+              <a14:hiddenEffects xmlns:a14="http://schemas.microsoft.com/office/drawing/2010/main" xmlns="">
                 <a:effectLst>
                   <a:outerShdw blurRad="63500" dist="38099" dir="2700000" algn="ctr" rotWithShape="0">
                     <a:srgbClr val="000000">
@@ -368,7 +368,7 @@
               </a14:hiddenEffects>
             </a:ext>
             <a:ext uri="{53640926-AAD7-44d8-BBD7-CCE9431645EC}">
-              <a14:shadowObscured xmlns="" xmlns:a14="http://schemas.microsoft.com/office/drawing/2010/main" val="1"/>
+              <a14:shadowObscured xmlns:a14="http://schemas.microsoft.com/office/drawing/2010/main" xmlns="" val="1"/>
             </a:ext>
           </a:extLst>
         </p:spPr>
@@ -400,14 +400,14 @@
               <ma14:placeholderFlag xmlns:ma14="http://schemas.microsoft.com/office/mac/drawingml/2011/main" val="1"/>
             </a:ext>
             <a:ext uri="{909E8E84-426E-40dd-AFC4-6F175D3DCCD1}">
-              <a14:hiddenFill xmlns="" xmlns:a14="http://schemas.microsoft.com/office/drawing/2010/main">
+              <a14:hiddenFill xmlns:a14="http://schemas.microsoft.com/office/drawing/2010/main" xmlns="">
                 <a:solidFill>
                   <a:schemeClr val="accent1"/>
                 </a:solidFill>
               </a14:hiddenFill>
             </a:ext>
             <a:ext uri="{91240B29-F687-4f45-9708-019B960494DF}">
-              <a14:hiddenLine xmlns="" xmlns:a14="http://schemas.microsoft.com/office/drawing/2010/main" w="9525">
+              <a14:hiddenLine xmlns:a14="http://schemas.microsoft.com/office/drawing/2010/main" xmlns="" w="9525">
                 <a:solidFill>
                   <a:schemeClr val="tx1"/>
                 </a:solidFill>
@@ -489,14 +489,14 @@
               <ma14:placeholderFlag xmlns:ma14="http://schemas.microsoft.com/office/mac/drawingml/2011/main" val="1"/>
             </a:ext>
             <a:ext uri="{909E8E84-426E-40dd-AFC4-6F175D3DCCD1}">
-              <a14:hiddenFill xmlns="" xmlns:a14="http://schemas.microsoft.com/office/drawing/2010/main">
+              <a14:hiddenFill xmlns:a14="http://schemas.microsoft.com/office/drawing/2010/main" xmlns="">
                 <a:solidFill>
                   <a:schemeClr val="accent1"/>
                 </a:solidFill>
               </a14:hiddenFill>
             </a:ext>
             <a:ext uri="{91240B29-F687-4f45-9708-019B960494DF}">
-              <a14:hiddenLine xmlns="" xmlns:a14="http://schemas.microsoft.com/office/drawing/2010/main" w="9525">
+              <a14:hiddenLine xmlns:a14="http://schemas.microsoft.com/office/drawing/2010/main" xmlns="" w="9525">
                 <a:solidFill>
                   <a:schemeClr val="tx1"/>
                 </a:solidFill>
@@ -550,14 +550,14 @@
               <ma14:placeholderFlag xmlns:ma14="http://schemas.microsoft.com/office/mac/drawingml/2011/main" val="1"/>
             </a:ext>
             <a:ext uri="{909E8E84-426E-40dd-AFC4-6F175D3DCCD1}">
-              <a14:hiddenFill xmlns="" xmlns:a14="http://schemas.microsoft.com/office/drawing/2010/main">
+              <a14:hiddenFill xmlns:a14="http://schemas.microsoft.com/office/drawing/2010/main" xmlns="">
                 <a:solidFill>
                   <a:schemeClr val="accent1"/>
                 </a:solidFill>
               </a14:hiddenFill>
             </a:ext>
             <a:ext uri="{91240B29-F687-4f45-9708-019B960494DF}">
-              <a14:hiddenLine xmlns="" xmlns:a14="http://schemas.microsoft.com/office/drawing/2010/main" w="9525">
+              <a14:hiddenLine xmlns:a14="http://schemas.microsoft.com/office/drawing/2010/main" xmlns="" w="9525">
                 <a:solidFill>
                   <a:schemeClr val="tx1"/>
                 </a:solidFill>
@@ -852,12 +852,12 @@
           <a:effectLst/>
           <a:extLst>
             <a:ext uri="{909E8E84-426E-40dd-AFC4-6F175D3DCCD1}">
-              <a14:hiddenFill xmlns="" xmlns:a14="http://schemas.microsoft.com/office/drawing/2010/main">
+              <a14:hiddenFill xmlns:a14="http://schemas.microsoft.com/office/drawing/2010/main" xmlns="">
                 <a:noFill/>
               </a14:hiddenFill>
             </a:ext>
             <a:ext uri="{AF507438-7753-43e0-B8FC-AC1667EBCBE1}">
-              <a14:hiddenEffects xmlns="" xmlns:a14="http://schemas.microsoft.com/office/drawing/2010/main">
+              <a14:hiddenEffects xmlns:a14="http://schemas.microsoft.com/office/drawing/2010/main" xmlns="">
                 <a:effectLst>
                   <a:outerShdw blurRad="63500" dist="38099" dir="2700000" algn="ctr" rotWithShape="0">
                     <a:schemeClr val="bg2">
@@ -1058,7 +1058,7 @@
             <a:effectLst/>
             <a:extLst>
               <a:ext uri="{91240B29-F687-4f45-9708-019B960494DF}">
-                <a14:hiddenLine xmlns="" xmlns:a14="http://schemas.microsoft.com/office/drawing/2010/main" w="9525">
+                <a14:hiddenLine xmlns:a14="http://schemas.microsoft.com/office/drawing/2010/main" xmlns="" w="9525">
                   <a:solidFill>
                     <a:schemeClr val="tx1"/>
                   </a:solidFill>
@@ -1068,7 +1068,7 @@
                 </a14:hiddenLine>
               </a:ext>
               <a:ext uri="{AF507438-7753-43e0-B8FC-AC1667EBCBE1}">
-                <a14:hiddenEffects xmlns="" xmlns:a14="http://schemas.microsoft.com/office/drawing/2010/main">
+                <a14:hiddenEffects xmlns:a14="http://schemas.microsoft.com/office/drawing/2010/main" xmlns="">
                   <a:effectLst>
                     <a:outerShdw blurRad="63500" dist="38099" dir="2700000" algn="ctr" rotWithShape="0">
                       <a:schemeClr val="bg2">
@@ -1113,7 +1113,7 @@
             <a:effectLst/>
             <a:extLst>
               <a:ext uri="{91240B29-F687-4f45-9708-019B960494DF}">
-                <a14:hiddenLine xmlns="" xmlns:a14="http://schemas.microsoft.com/office/drawing/2010/main" w="9525">
+                <a14:hiddenLine xmlns:a14="http://schemas.microsoft.com/office/drawing/2010/main" xmlns="" w="9525">
                   <a:solidFill>
                     <a:schemeClr val="tx1"/>
                   </a:solidFill>
@@ -1123,7 +1123,7 @@
                 </a14:hiddenLine>
               </a:ext>
               <a:ext uri="{AF507438-7753-43e0-B8FC-AC1667EBCBE1}">
-                <a14:hiddenEffects xmlns="" xmlns:a14="http://schemas.microsoft.com/office/drawing/2010/main">
+                <a14:hiddenEffects xmlns:a14="http://schemas.microsoft.com/office/drawing/2010/main" xmlns="">
                   <a:effectLst>
                     <a:outerShdw blurRad="63500" dist="38099" dir="2700000" algn="ctr" rotWithShape="0">
                       <a:schemeClr val="bg2">
@@ -1168,7 +1168,7 @@
             <a:effectLst/>
             <a:extLst>
               <a:ext uri="{91240B29-F687-4f45-9708-019B960494DF}">
-                <a14:hiddenLine xmlns="" xmlns:a14="http://schemas.microsoft.com/office/drawing/2010/main" w="9525">
+                <a14:hiddenLine xmlns:a14="http://schemas.microsoft.com/office/drawing/2010/main" xmlns="" w="9525">
                   <a:solidFill>
                     <a:schemeClr val="tx1"/>
                   </a:solidFill>
@@ -1178,7 +1178,7 @@
                 </a14:hiddenLine>
               </a:ext>
               <a:ext uri="{AF507438-7753-43e0-B8FC-AC1667EBCBE1}">
-                <a14:hiddenEffects xmlns="" xmlns:a14="http://schemas.microsoft.com/office/drawing/2010/main">
+                <a14:hiddenEffects xmlns:a14="http://schemas.microsoft.com/office/drawing/2010/main" xmlns="">
                   <a:effectLst>
                     <a:outerShdw blurRad="63500" dist="38099" dir="2700000" algn="ctr" rotWithShape="0">
                       <a:schemeClr val="bg2">
@@ -1223,7 +1223,7 @@
             <a:effectLst/>
             <a:extLst>
               <a:ext uri="{91240B29-F687-4f45-9708-019B960494DF}">
-                <a14:hiddenLine xmlns="" xmlns:a14="http://schemas.microsoft.com/office/drawing/2010/main" w="9525">
+                <a14:hiddenLine xmlns:a14="http://schemas.microsoft.com/office/drawing/2010/main" xmlns="" w="9525">
                   <a:solidFill>
                     <a:schemeClr val="tx1"/>
                   </a:solidFill>
@@ -1233,7 +1233,7 @@
                 </a14:hiddenLine>
               </a:ext>
               <a:ext uri="{AF507438-7753-43e0-B8FC-AC1667EBCBE1}">
-                <a14:hiddenEffects xmlns="" xmlns:a14="http://schemas.microsoft.com/office/drawing/2010/main">
+                <a14:hiddenEffects xmlns:a14="http://schemas.microsoft.com/office/drawing/2010/main" xmlns="">
                   <a:effectLst>
                     <a:outerShdw blurRad="63500" dist="38099" dir="2700000" algn="ctr" rotWithShape="0">
                       <a:schemeClr val="bg2">
@@ -1278,7 +1278,7 @@
             <a:effectLst/>
             <a:extLst>
               <a:ext uri="{91240B29-F687-4f45-9708-019B960494DF}">
-                <a14:hiddenLine xmlns="" xmlns:a14="http://schemas.microsoft.com/office/drawing/2010/main" w="9525">
+                <a14:hiddenLine xmlns:a14="http://schemas.microsoft.com/office/drawing/2010/main" xmlns="" w="9525">
                   <a:solidFill>
                     <a:schemeClr val="tx1"/>
                   </a:solidFill>
@@ -1288,7 +1288,7 @@
                 </a14:hiddenLine>
               </a:ext>
               <a:ext uri="{AF507438-7753-43e0-B8FC-AC1667EBCBE1}">
-                <a14:hiddenEffects xmlns="" xmlns:a14="http://schemas.microsoft.com/office/drawing/2010/main">
+                <a14:hiddenEffects xmlns:a14="http://schemas.microsoft.com/office/drawing/2010/main" xmlns="">
                   <a:effectLst>
                     <a:outerShdw blurRad="63500" dist="38099" dir="2700000" algn="ctr" rotWithShape="0">
                       <a:schemeClr val="bg2">
@@ -1333,7 +1333,7 @@
             <a:effectLst/>
             <a:extLst>
               <a:ext uri="{91240B29-F687-4f45-9708-019B960494DF}">
-                <a14:hiddenLine xmlns="" xmlns:a14="http://schemas.microsoft.com/office/drawing/2010/main" w="9525">
+                <a14:hiddenLine xmlns:a14="http://schemas.microsoft.com/office/drawing/2010/main" xmlns="" w="9525">
                   <a:solidFill>
                     <a:schemeClr val="tx1"/>
                   </a:solidFill>
@@ -1343,7 +1343,7 @@
                 </a14:hiddenLine>
               </a:ext>
               <a:ext uri="{AF507438-7753-43e0-B8FC-AC1667EBCBE1}">
-                <a14:hiddenEffects xmlns="" xmlns:a14="http://schemas.microsoft.com/office/drawing/2010/main">
+                <a14:hiddenEffects xmlns:a14="http://schemas.microsoft.com/office/drawing/2010/main" xmlns="">
                   <a:effectLst>
                     <a:outerShdw blurRad="63500" dist="38099" dir="2700000" algn="ctr" rotWithShape="0">
                       <a:schemeClr val="bg2">
@@ -1388,7 +1388,7 @@
             <a:effectLst/>
             <a:extLst>
               <a:ext uri="{91240B29-F687-4f45-9708-019B960494DF}">
-                <a14:hiddenLine xmlns="" xmlns:a14="http://schemas.microsoft.com/office/drawing/2010/main" w="9525">
+                <a14:hiddenLine xmlns:a14="http://schemas.microsoft.com/office/drawing/2010/main" xmlns="" w="9525">
                   <a:solidFill>
                     <a:schemeClr val="tx1"/>
                   </a:solidFill>
@@ -1398,7 +1398,7 @@
                 </a14:hiddenLine>
               </a:ext>
               <a:ext uri="{AF507438-7753-43e0-B8FC-AC1667EBCBE1}">
-                <a14:hiddenEffects xmlns="" xmlns:a14="http://schemas.microsoft.com/office/drawing/2010/main">
+                <a14:hiddenEffects xmlns:a14="http://schemas.microsoft.com/office/drawing/2010/main" xmlns="">
                   <a:effectLst>
                     <a:outerShdw blurRad="63500" dist="38099" dir="2700000" algn="ctr" rotWithShape="0">
                       <a:schemeClr val="bg2">
@@ -1443,7 +1443,7 @@
             <a:effectLst/>
             <a:extLst>
               <a:ext uri="{91240B29-F687-4f45-9708-019B960494DF}">
-                <a14:hiddenLine xmlns="" xmlns:a14="http://schemas.microsoft.com/office/drawing/2010/main" w="9525">
+                <a14:hiddenLine xmlns:a14="http://schemas.microsoft.com/office/drawing/2010/main" xmlns="" w="9525">
                   <a:solidFill>
                     <a:schemeClr val="tx1"/>
                   </a:solidFill>
@@ -1453,7 +1453,7 @@
                 </a14:hiddenLine>
               </a:ext>
               <a:ext uri="{AF507438-7753-43e0-B8FC-AC1667EBCBE1}">
-                <a14:hiddenEffects xmlns="" xmlns:a14="http://schemas.microsoft.com/office/drawing/2010/main">
+                <a14:hiddenEffects xmlns:a14="http://schemas.microsoft.com/office/drawing/2010/main" xmlns="">
                   <a:effectLst>
                     <a:outerShdw blurRad="63500" dist="38099" dir="2700000" algn="ctr" rotWithShape="0">
                       <a:schemeClr val="bg2">
@@ -1498,7 +1498,7 @@
             <a:effectLst/>
             <a:extLst>
               <a:ext uri="{91240B29-F687-4f45-9708-019B960494DF}">
-                <a14:hiddenLine xmlns="" xmlns:a14="http://schemas.microsoft.com/office/drawing/2010/main" w="9525">
+                <a14:hiddenLine xmlns:a14="http://schemas.microsoft.com/office/drawing/2010/main" xmlns="" w="9525">
                   <a:solidFill>
                     <a:schemeClr val="tx1"/>
                   </a:solidFill>
@@ -1508,7 +1508,7 @@
                 </a14:hiddenLine>
               </a:ext>
               <a:ext uri="{AF507438-7753-43e0-B8FC-AC1667EBCBE1}">
-                <a14:hiddenEffects xmlns="" xmlns:a14="http://schemas.microsoft.com/office/drawing/2010/main">
+                <a14:hiddenEffects xmlns:a14="http://schemas.microsoft.com/office/drawing/2010/main" xmlns="">
                   <a:effectLst>
                     <a:outerShdw blurRad="63500" dist="38099" dir="2700000" algn="ctr" rotWithShape="0">
                       <a:schemeClr val="bg2">
@@ -1553,7 +1553,7 @@
             <a:effectLst/>
             <a:extLst>
               <a:ext uri="{91240B29-F687-4f45-9708-019B960494DF}">
-                <a14:hiddenLine xmlns="" xmlns:a14="http://schemas.microsoft.com/office/drawing/2010/main" w="9525">
+                <a14:hiddenLine xmlns:a14="http://schemas.microsoft.com/office/drawing/2010/main" xmlns="" w="9525">
                   <a:solidFill>
                     <a:schemeClr val="tx1"/>
                   </a:solidFill>
@@ -1563,7 +1563,7 @@
                 </a14:hiddenLine>
               </a:ext>
               <a:ext uri="{AF507438-7753-43e0-B8FC-AC1667EBCBE1}">
-                <a14:hiddenEffects xmlns="" xmlns:a14="http://schemas.microsoft.com/office/drawing/2010/main">
+                <a14:hiddenEffects xmlns:a14="http://schemas.microsoft.com/office/drawing/2010/main" xmlns="">
                   <a:effectLst>
                     <a:outerShdw blurRad="63500" dist="38099" dir="2700000" algn="ctr" rotWithShape="0">
                       <a:schemeClr val="bg2">
@@ -1608,7 +1608,7 @@
             <a:effectLst/>
             <a:extLst>
               <a:ext uri="{91240B29-F687-4f45-9708-019B960494DF}">
-                <a14:hiddenLine xmlns="" xmlns:a14="http://schemas.microsoft.com/office/drawing/2010/main" w="9525">
+                <a14:hiddenLine xmlns:a14="http://schemas.microsoft.com/office/drawing/2010/main" xmlns="" w="9525">
                   <a:solidFill>
                     <a:schemeClr val="tx1"/>
                   </a:solidFill>
@@ -1618,7 +1618,7 @@
                 </a14:hiddenLine>
               </a:ext>
               <a:ext uri="{AF507438-7753-43e0-B8FC-AC1667EBCBE1}">
-                <a14:hiddenEffects xmlns="" xmlns:a14="http://schemas.microsoft.com/office/drawing/2010/main">
+                <a14:hiddenEffects xmlns:a14="http://schemas.microsoft.com/office/drawing/2010/main" xmlns="">
                   <a:effectLst>
                     <a:outerShdw blurRad="63500" dist="38099" dir="2700000" algn="ctr" rotWithShape="0">
                       <a:schemeClr val="bg2">
@@ -1663,7 +1663,7 @@
             <a:effectLst/>
             <a:extLst>
               <a:ext uri="{91240B29-F687-4f45-9708-019B960494DF}">
-                <a14:hiddenLine xmlns="" xmlns:a14="http://schemas.microsoft.com/office/drawing/2010/main" w="9525">
+                <a14:hiddenLine xmlns:a14="http://schemas.microsoft.com/office/drawing/2010/main" xmlns="" w="9525">
                   <a:solidFill>
                     <a:schemeClr val="tx1"/>
                   </a:solidFill>
@@ -1673,7 +1673,7 @@
                 </a14:hiddenLine>
               </a:ext>
               <a:ext uri="{AF507438-7753-43e0-B8FC-AC1667EBCBE1}">
-                <a14:hiddenEffects xmlns="" xmlns:a14="http://schemas.microsoft.com/office/drawing/2010/main">
+                <a14:hiddenEffects xmlns:a14="http://schemas.microsoft.com/office/drawing/2010/main" xmlns="">
                   <a:effectLst>
                     <a:outerShdw blurRad="63500" dist="38099" dir="2700000" algn="ctr" rotWithShape="0">
                       <a:schemeClr val="bg2">
@@ -1718,7 +1718,7 @@
             <a:effectLst/>
             <a:extLst>
               <a:ext uri="{91240B29-F687-4f45-9708-019B960494DF}">
-                <a14:hiddenLine xmlns="" xmlns:a14="http://schemas.microsoft.com/office/drawing/2010/main" w="9525">
+                <a14:hiddenLine xmlns:a14="http://schemas.microsoft.com/office/drawing/2010/main" xmlns="" w="9525">
                   <a:solidFill>
                     <a:schemeClr val="tx1"/>
                   </a:solidFill>
@@ -1728,7 +1728,7 @@
                 </a14:hiddenLine>
               </a:ext>
               <a:ext uri="{AF507438-7753-43e0-B8FC-AC1667EBCBE1}">
-                <a14:hiddenEffects xmlns="" xmlns:a14="http://schemas.microsoft.com/office/drawing/2010/main">
+                <a14:hiddenEffects xmlns:a14="http://schemas.microsoft.com/office/drawing/2010/main" xmlns="">
                   <a:effectLst>
                     <a:outerShdw blurRad="63500" dist="38099" dir="2700000" algn="ctr" rotWithShape="0">
                       <a:schemeClr val="bg2">
@@ -1773,7 +1773,7 @@
             <a:effectLst/>
             <a:extLst>
               <a:ext uri="{91240B29-F687-4f45-9708-019B960494DF}">
-                <a14:hiddenLine xmlns="" xmlns:a14="http://schemas.microsoft.com/office/drawing/2010/main" w="9525">
+                <a14:hiddenLine xmlns:a14="http://schemas.microsoft.com/office/drawing/2010/main" xmlns="" w="9525">
                   <a:solidFill>
                     <a:schemeClr val="tx1"/>
                   </a:solidFill>
@@ -1783,7 +1783,7 @@
                 </a14:hiddenLine>
               </a:ext>
               <a:ext uri="{AF507438-7753-43e0-B8FC-AC1667EBCBE1}">
-                <a14:hiddenEffects xmlns="" xmlns:a14="http://schemas.microsoft.com/office/drawing/2010/main">
+                <a14:hiddenEffects xmlns:a14="http://schemas.microsoft.com/office/drawing/2010/main" xmlns="">
                   <a:effectLst>
                     <a:outerShdw blurRad="63500" dist="38099" dir="2700000" algn="ctr" rotWithShape="0">
                       <a:schemeClr val="bg2">
@@ -1828,7 +1828,7 @@
             <a:effectLst/>
             <a:extLst>
               <a:ext uri="{91240B29-F687-4f45-9708-019B960494DF}">
-                <a14:hiddenLine xmlns="" xmlns:a14="http://schemas.microsoft.com/office/drawing/2010/main" w="9525">
+                <a14:hiddenLine xmlns:a14="http://schemas.microsoft.com/office/drawing/2010/main" xmlns="" w="9525">
                   <a:solidFill>
                     <a:schemeClr val="tx1"/>
                   </a:solidFill>
@@ -1838,7 +1838,7 @@
                 </a14:hiddenLine>
               </a:ext>
               <a:ext uri="{AF507438-7753-43e0-B8FC-AC1667EBCBE1}">
-                <a14:hiddenEffects xmlns="" xmlns:a14="http://schemas.microsoft.com/office/drawing/2010/main">
+                <a14:hiddenEffects xmlns:a14="http://schemas.microsoft.com/office/drawing/2010/main" xmlns="">
                   <a:effectLst>
                     <a:outerShdw blurRad="63500" dist="38099" dir="2700000" algn="ctr" rotWithShape="0">
                       <a:schemeClr val="bg2">
@@ -1883,7 +1883,7 @@
             <a:effectLst/>
             <a:extLst>
               <a:ext uri="{91240B29-F687-4f45-9708-019B960494DF}">
-                <a14:hiddenLine xmlns="" xmlns:a14="http://schemas.microsoft.com/office/drawing/2010/main" w="9525">
+                <a14:hiddenLine xmlns:a14="http://schemas.microsoft.com/office/drawing/2010/main" xmlns="" w="9525">
                   <a:solidFill>
                     <a:schemeClr val="tx1"/>
                   </a:solidFill>
@@ -1893,7 +1893,7 @@
                 </a14:hiddenLine>
               </a:ext>
               <a:ext uri="{AF507438-7753-43e0-B8FC-AC1667EBCBE1}">
-                <a14:hiddenEffects xmlns="" xmlns:a14="http://schemas.microsoft.com/office/drawing/2010/main">
+                <a14:hiddenEffects xmlns:a14="http://schemas.microsoft.com/office/drawing/2010/main" xmlns="">
                   <a:effectLst>
                     <a:outerShdw blurRad="63500" dist="38099" dir="2700000" algn="ctr" rotWithShape="0">
                       <a:schemeClr val="bg2">
@@ -1938,7 +1938,7 @@
             <a:effectLst/>
             <a:extLst>
               <a:ext uri="{91240B29-F687-4f45-9708-019B960494DF}">
-                <a14:hiddenLine xmlns="" xmlns:a14="http://schemas.microsoft.com/office/drawing/2010/main" w="9525">
+                <a14:hiddenLine xmlns:a14="http://schemas.microsoft.com/office/drawing/2010/main" xmlns="" w="9525">
                   <a:solidFill>
                     <a:schemeClr val="tx1"/>
                   </a:solidFill>
@@ -1948,7 +1948,7 @@
                 </a14:hiddenLine>
               </a:ext>
               <a:ext uri="{AF507438-7753-43e0-B8FC-AC1667EBCBE1}">
-                <a14:hiddenEffects xmlns="" xmlns:a14="http://schemas.microsoft.com/office/drawing/2010/main">
+                <a14:hiddenEffects xmlns:a14="http://schemas.microsoft.com/office/drawing/2010/main" xmlns="">
                   <a:effectLst>
                     <a:outerShdw blurRad="63500" dist="38099" dir="2700000" algn="ctr" rotWithShape="0">
                       <a:schemeClr val="bg2">
@@ -1993,7 +1993,7 @@
             <a:effectLst/>
             <a:extLst>
               <a:ext uri="{91240B29-F687-4f45-9708-019B960494DF}">
-                <a14:hiddenLine xmlns="" xmlns:a14="http://schemas.microsoft.com/office/drawing/2010/main" w="9525">
+                <a14:hiddenLine xmlns:a14="http://schemas.microsoft.com/office/drawing/2010/main" xmlns="" w="9525">
                   <a:solidFill>
                     <a:schemeClr val="tx1"/>
                   </a:solidFill>
@@ -2003,7 +2003,7 @@
                 </a14:hiddenLine>
               </a:ext>
               <a:ext uri="{AF507438-7753-43e0-B8FC-AC1667EBCBE1}">
-                <a14:hiddenEffects xmlns="" xmlns:a14="http://schemas.microsoft.com/office/drawing/2010/main">
+                <a14:hiddenEffects xmlns:a14="http://schemas.microsoft.com/office/drawing/2010/main" xmlns="">
                   <a:effectLst>
                     <a:outerShdw blurRad="63500" dist="38099" dir="2700000" algn="ctr" rotWithShape="0">
                       <a:schemeClr val="bg2">
@@ -2048,7 +2048,7 @@
             <a:effectLst/>
             <a:extLst>
               <a:ext uri="{91240B29-F687-4f45-9708-019B960494DF}">
-                <a14:hiddenLine xmlns="" xmlns:a14="http://schemas.microsoft.com/office/drawing/2010/main" w="9525">
+                <a14:hiddenLine xmlns:a14="http://schemas.microsoft.com/office/drawing/2010/main" xmlns="" w="9525">
                   <a:solidFill>
                     <a:schemeClr val="tx1"/>
                   </a:solidFill>
@@ -2058,7 +2058,7 @@
                 </a14:hiddenLine>
               </a:ext>
               <a:ext uri="{AF507438-7753-43e0-B8FC-AC1667EBCBE1}">
-                <a14:hiddenEffects xmlns="" xmlns:a14="http://schemas.microsoft.com/office/drawing/2010/main">
+                <a14:hiddenEffects xmlns:a14="http://schemas.microsoft.com/office/drawing/2010/main" xmlns="">
                   <a:effectLst>
                     <a:outerShdw blurRad="63500" dist="38099" dir="2700000" algn="ctr" rotWithShape="0">
                       <a:schemeClr val="bg2">
@@ -2103,7 +2103,7 @@
             <a:effectLst/>
             <a:extLst>
               <a:ext uri="{91240B29-F687-4f45-9708-019B960494DF}">
-                <a14:hiddenLine xmlns="" xmlns:a14="http://schemas.microsoft.com/office/drawing/2010/main" w="9525">
+                <a14:hiddenLine xmlns:a14="http://schemas.microsoft.com/office/drawing/2010/main" xmlns="" w="9525">
                   <a:solidFill>
                     <a:schemeClr val="tx1"/>
                   </a:solidFill>
@@ -2113,7 +2113,7 @@
                 </a14:hiddenLine>
               </a:ext>
               <a:ext uri="{AF507438-7753-43e0-B8FC-AC1667EBCBE1}">
-                <a14:hiddenEffects xmlns="" xmlns:a14="http://schemas.microsoft.com/office/drawing/2010/main">
+                <a14:hiddenEffects xmlns:a14="http://schemas.microsoft.com/office/drawing/2010/main" xmlns="">
                   <a:effectLst>
                     <a:outerShdw blurRad="63500" dist="38099" dir="2700000" algn="ctr" rotWithShape="0">
                       <a:schemeClr val="bg2">
@@ -2158,7 +2158,7 @@
             <a:effectLst/>
             <a:extLst>
               <a:ext uri="{91240B29-F687-4f45-9708-019B960494DF}">
-                <a14:hiddenLine xmlns="" xmlns:a14="http://schemas.microsoft.com/office/drawing/2010/main" w="9525">
+                <a14:hiddenLine xmlns:a14="http://schemas.microsoft.com/office/drawing/2010/main" xmlns="" w="9525">
                   <a:solidFill>
                     <a:schemeClr val="tx1"/>
                   </a:solidFill>
@@ -2168,7 +2168,7 @@
                 </a14:hiddenLine>
               </a:ext>
               <a:ext uri="{AF507438-7753-43e0-B8FC-AC1667EBCBE1}">
-                <a14:hiddenEffects xmlns="" xmlns:a14="http://schemas.microsoft.com/office/drawing/2010/main">
+                <a14:hiddenEffects xmlns:a14="http://schemas.microsoft.com/office/drawing/2010/main" xmlns="">
                   <a:effectLst>
                     <a:outerShdw blurRad="63500" dist="38099" dir="2700000" algn="ctr" rotWithShape="0">
                       <a:schemeClr val="bg2">
@@ -2213,7 +2213,7 @@
             <a:effectLst/>
             <a:extLst>
               <a:ext uri="{91240B29-F687-4f45-9708-019B960494DF}">
-                <a14:hiddenLine xmlns="" xmlns:a14="http://schemas.microsoft.com/office/drawing/2010/main" w="9525">
+                <a14:hiddenLine xmlns:a14="http://schemas.microsoft.com/office/drawing/2010/main" xmlns="" w="9525">
                   <a:solidFill>
                     <a:schemeClr val="tx1"/>
                   </a:solidFill>
@@ -2223,7 +2223,7 @@
                 </a14:hiddenLine>
               </a:ext>
               <a:ext uri="{AF507438-7753-43e0-B8FC-AC1667EBCBE1}">
-                <a14:hiddenEffects xmlns="" xmlns:a14="http://schemas.microsoft.com/office/drawing/2010/main">
+                <a14:hiddenEffects xmlns:a14="http://schemas.microsoft.com/office/drawing/2010/main" xmlns="">
                   <a:effectLst>
                     <a:outerShdw blurRad="63500" dist="38099" dir="2700000" algn="ctr" rotWithShape="0">
                       <a:schemeClr val="bg2">
@@ -2268,7 +2268,7 @@
             <a:effectLst/>
             <a:extLst>
               <a:ext uri="{91240B29-F687-4f45-9708-019B960494DF}">
-                <a14:hiddenLine xmlns="" xmlns:a14="http://schemas.microsoft.com/office/drawing/2010/main" w="9525">
+                <a14:hiddenLine xmlns:a14="http://schemas.microsoft.com/office/drawing/2010/main" xmlns="" w="9525">
                   <a:solidFill>
                     <a:schemeClr val="tx1"/>
                   </a:solidFill>
@@ -2278,7 +2278,7 @@
                 </a14:hiddenLine>
               </a:ext>
               <a:ext uri="{AF507438-7753-43e0-B8FC-AC1667EBCBE1}">
-                <a14:hiddenEffects xmlns="" xmlns:a14="http://schemas.microsoft.com/office/drawing/2010/main">
+                <a14:hiddenEffects xmlns:a14="http://schemas.microsoft.com/office/drawing/2010/main" xmlns="">
                   <a:effectLst>
                     <a:outerShdw blurRad="63500" dist="38099" dir="2700000" algn="ctr" rotWithShape="0">
                       <a:schemeClr val="bg2">
@@ -2323,7 +2323,7 @@
             <a:effectLst/>
             <a:extLst>
               <a:ext uri="{91240B29-F687-4f45-9708-019B960494DF}">
-                <a14:hiddenLine xmlns="" xmlns:a14="http://schemas.microsoft.com/office/drawing/2010/main" w="9525">
+                <a14:hiddenLine xmlns:a14="http://schemas.microsoft.com/office/drawing/2010/main" xmlns="" w="9525">
                   <a:solidFill>
                     <a:schemeClr val="tx1"/>
                   </a:solidFill>
@@ -2333,7 +2333,7 @@
                 </a14:hiddenLine>
               </a:ext>
               <a:ext uri="{AF507438-7753-43e0-B8FC-AC1667EBCBE1}">
-                <a14:hiddenEffects xmlns="" xmlns:a14="http://schemas.microsoft.com/office/drawing/2010/main">
+                <a14:hiddenEffects xmlns:a14="http://schemas.microsoft.com/office/drawing/2010/main" xmlns="">
                   <a:effectLst>
                     <a:outerShdw blurRad="63500" dist="38099" dir="2700000" algn="ctr" rotWithShape="0">
                       <a:schemeClr val="bg2">
@@ -2378,7 +2378,7 @@
             <a:effectLst/>
             <a:extLst>
               <a:ext uri="{91240B29-F687-4f45-9708-019B960494DF}">
-                <a14:hiddenLine xmlns="" xmlns:a14="http://schemas.microsoft.com/office/drawing/2010/main" w="9525">
+                <a14:hiddenLine xmlns:a14="http://schemas.microsoft.com/office/drawing/2010/main" xmlns="" w="9525">
                   <a:solidFill>
                     <a:schemeClr val="tx1"/>
                   </a:solidFill>
@@ -2388,7 +2388,7 @@
                 </a14:hiddenLine>
               </a:ext>
               <a:ext uri="{AF507438-7753-43e0-B8FC-AC1667EBCBE1}">
-                <a14:hiddenEffects xmlns="" xmlns:a14="http://schemas.microsoft.com/office/drawing/2010/main">
+                <a14:hiddenEffects xmlns:a14="http://schemas.microsoft.com/office/drawing/2010/main" xmlns="">
                   <a:effectLst>
                     <a:outerShdw blurRad="63500" dist="38099" dir="2700000" algn="ctr" rotWithShape="0">
                       <a:schemeClr val="bg2">
@@ -2433,7 +2433,7 @@
             <a:effectLst/>
             <a:extLst>
               <a:ext uri="{91240B29-F687-4f45-9708-019B960494DF}">
-                <a14:hiddenLine xmlns="" xmlns:a14="http://schemas.microsoft.com/office/drawing/2010/main" w="9525">
+                <a14:hiddenLine xmlns:a14="http://schemas.microsoft.com/office/drawing/2010/main" xmlns="" w="9525">
                   <a:solidFill>
                     <a:schemeClr val="tx1"/>
                   </a:solidFill>
@@ -2443,7 +2443,7 @@
                 </a14:hiddenLine>
               </a:ext>
               <a:ext uri="{AF507438-7753-43e0-B8FC-AC1667EBCBE1}">
-                <a14:hiddenEffects xmlns="" xmlns:a14="http://schemas.microsoft.com/office/drawing/2010/main">
+                <a14:hiddenEffects xmlns:a14="http://schemas.microsoft.com/office/drawing/2010/main" xmlns="">
                   <a:effectLst>
                     <a:outerShdw blurRad="63500" dist="38099" dir="2700000" algn="ctr" rotWithShape="0">
                       <a:schemeClr val="bg2">
@@ -2488,7 +2488,7 @@
             <a:effectLst/>
             <a:extLst>
               <a:ext uri="{91240B29-F687-4f45-9708-019B960494DF}">
-                <a14:hiddenLine xmlns="" xmlns:a14="http://schemas.microsoft.com/office/drawing/2010/main" w="9525">
+                <a14:hiddenLine xmlns:a14="http://schemas.microsoft.com/office/drawing/2010/main" xmlns="" w="9525">
                   <a:solidFill>
                     <a:schemeClr val="tx1"/>
                   </a:solidFill>
@@ -2498,7 +2498,7 @@
                 </a14:hiddenLine>
               </a:ext>
               <a:ext uri="{AF507438-7753-43e0-B8FC-AC1667EBCBE1}">
-                <a14:hiddenEffects xmlns="" xmlns:a14="http://schemas.microsoft.com/office/drawing/2010/main">
+                <a14:hiddenEffects xmlns:a14="http://schemas.microsoft.com/office/drawing/2010/main" xmlns="">
                   <a:effectLst>
                     <a:outerShdw blurRad="63500" dist="38099" dir="2700000" algn="ctr" rotWithShape="0">
                       <a:schemeClr val="bg2">
@@ -2543,7 +2543,7 @@
             <a:effectLst/>
             <a:extLst>
               <a:ext uri="{91240B29-F687-4f45-9708-019B960494DF}">
-                <a14:hiddenLine xmlns="" xmlns:a14="http://schemas.microsoft.com/office/drawing/2010/main" w="9525">
+                <a14:hiddenLine xmlns:a14="http://schemas.microsoft.com/office/drawing/2010/main" xmlns="" w="9525">
                   <a:solidFill>
                     <a:schemeClr val="tx1"/>
                   </a:solidFill>
@@ -2553,7 +2553,7 @@
                 </a14:hiddenLine>
               </a:ext>
               <a:ext uri="{AF507438-7753-43e0-B8FC-AC1667EBCBE1}">
-                <a14:hiddenEffects xmlns="" xmlns:a14="http://schemas.microsoft.com/office/drawing/2010/main">
+                <a14:hiddenEffects xmlns:a14="http://schemas.microsoft.com/office/drawing/2010/main" xmlns="">
                   <a:effectLst>
                     <a:outerShdw blurRad="63500" dist="38099" dir="2700000" algn="ctr" rotWithShape="0">
                       <a:schemeClr val="bg2">
@@ -2598,7 +2598,7 @@
             <a:effectLst/>
             <a:extLst>
               <a:ext uri="{91240B29-F687-4f45-9708-019B960494DF}">
-                <a14:hiddenLine xmlns="" xmlns:a14="http://schemas.microsoft.com/office/drawing/2010/main" w="9525">
+                <a14:hiddenLine xmlns:a14="http://schemas.microsoft.com/office/drawing/2010/main" xmlns="" w="9525">
                   <a:solidFill>
                     <a:schemeClr val="tx1"/>
                   </a:solidFill>
@@ -2608,7 +2608,7 @@
                 </a14:hiddenLine>
               </a:ext>
               <a:ext uri="{AF507438-7753-43e0-B8FC-AC1667EBCBE1}">
-                <a14:hiddenEffects xmlns="" xmlns:a14="http://schemas.microsoft.com/office/drawing/2010/main">
+                <a14:hiddenEffects xmlns:a14="http://schemas.microsoft.com/office/drawing/2010/main" xmlns="">
                   <a:effectLst>
                     <a:outerShdw blurRad="63500" dist="38099" dir="2700000" algn="ctr" rotWithShape="0">
                       <a:schemeClr val="bg2">
@@ -2653,7 +2653,7 @@
             <a:effectLst/>
             <a:extLst>
               <a:ext uri="{91240B29-F687-4f45-9708-019B960494DF}">
-                <a14:hiddenLine xmlns="" xmlns:a14="http://schemas.microsoft.com/office/drawing/2010/main" w="9525">
+                <a14:hiddenLine xmlns:a14="http://schemas.microsoft.com/office/drawing/2010/main" xmlns="" w="9525">
                   <a:solidFill>
                     <a:schemeClr val="tx1"/>
                   </a:solidFill>
@@ -2663,7 +2663,7 @@
                 </a14:hiddenLine>
               </a:ext>
               <a:ext uri="{AF507438-7753-43e0-B8FC-AC1667EBCBE1}">
-                <a14:hiddenEffects xmlns="" xmlns:a14="http://schemas.microsoft.com/office/drawing/2010/main">
+                <a14:hiddenEffects xmlns:a14="http://schemas.microsoft.com/office/drawing/2010/main" xmlns="">
                   <a:effectLst>
                     <a:outerShdw blurRad="63500" dist="38099" dir="2700000" algn="ctr" rotWithShape="0">
                       <a:schemeClr val="bg2">
@@ -2708,7 +2708,7 @@
             <a:effectLst/>
             <a:extLst>
               <a:ext uri="{91240B29-F687-4f45-9708-019B960494DF}">
-                <a14:hiddenLine xmlns="" xmlns:a14="http://schemas.microsoft.com/office/drawing/2010/main" w="9525">
+                <a14:hiddenLine xmlns:a14="http://schemas.microsoft.com/office/drawing/2010/main" xmlns="" w="9525">
                   <a:solidFill>
                     <a:schemeClr val="tx1"/>
                   </a:solidFill>
@@ -2718,7 +2718,7 @@
                 </a14:hiddenLine>
               </a:ext>
               <a:ext uri="{AF507438-7753-43e0-B8FC-AC1667EBCBE1}">
-                <a14:hiddenEffects xmlns="" xmlns:a14="http://schemas.microsoft.com/office/drawing/2010/main">
+                <a14:hiddenEffects xmlns:a14="http://schemas.microsoft.com/office/drawing/2010/main" xmlns="">
                   <a:effectLst>
                     <a:outerShdw blurRad="63500" dist="38099" dir="2700000" algn="ctr" rotWithShape="0">
                       <a:schemeClr val="bg2">
@@ -2767,12 +2767,12 @@
           <a:effectLst/>
           <a:extLst>
             <a:ext uri="{909E8E84-426E-40dd-AFC4-6F175D3DCCD1}">
-              <a14:hiddenFill xmlns="" xmlns:a14="http://schemas.microsoft.com/office/drawing/2010/main">
+              <a14:hiddenFill xmlns:a14="http://schemas.microsoft.com/office/drawing/2010/main" xmlns="">
                 <a:noFill/>
               </a14:hiddenFill>
             </a:ext>
             <a:ext uri="{AF507438-7753-43e0-B8FC-AC1667EBCBE1}">
-              <a14:hiddenEffects xmlns="" xmlns:a14="http://schemas.microsoft.com/office/drawing/2010/main">
+              <a14:hiddenEffects xmlns:a14="http://schemas.microsoft.com/office/drawing/2010/main" xmlns="">
                 <a:effectLst>
                   <a:outerShdw blurRad="63500" dist="38099" dir="2700000" algn="ctr" rotWithShape="0">
                     <a:schemeClr val="bg2">
@@ -5120,12 +5120,12 @@
           <a:effectLst/>
           <a:extLst>
             <a:ext uri="{909E8E84-426E-40dd-AFC4-6F175D3DCCD1}">
-              <a14:hiddenFill xmlns="" xmlns:a14="http://schemas.microsoft.com/office/drawing/2010/main">
+              <a14:hiddenFill xmlns:a14="http://schemas.microsoft.com/office/drawing/2010/main" xmlns="">
                 <a:noFill/>
               </a14:hiddenFill>
             </a:ext>
             <a:ext uri="{AF507438-7753-43e0-B8FC-AC1667EBCBE1}">
-              <a14:hiddenEffects xmlns="" xmlns:a14="http://schemas.microsoft.com/office/drawing/2010/main">
+              <a14:hiddenEffects xmlns:a14="http://schemas.microsoft.com/office/drawing/2010/main" xmlns="">
                 <a:effectLst>
                   <a:outerShdw blurRad="63500" dist="38099" dir="2700000" algn="ctr" rotWithShape="0">
                     <a:schemeClr val="bg2">
@@ -5173,14 +5173,14 @@
               <ma14:placeholderFlag xmlns:ma14="http://schemas.microsoft.com/office/mac/drawingml/2011/main" val="1"/>
             </a:ext>
             <a:ext uri="{909E8E84-426E-40dd-AFC4-6F175D3DCCD1}">
-              <a14:hiddenFill xmlns="" xmlns:a14="http://schemas.microsoft.com/office/drawing/2010/main">
+              <a14:hiddenFill xmlns:a14="http://schemas.microsoft.com/office/drawing/2010/main" xmlns="">
                 <a:solidFill>
                   <a:schemeClr val="accent1"/>
                 </a:solidFill>
               </a14:hiddenFill>
             </a:ext>
             <a:ext uri="{91240B29-F687-4f45-9708-019B960494DF}">
-              <a14:hiddenLine xmlns="" xmlns:a14="http://schemas.microsoft.com/office/drawing/2010/main" w="9525">
+              <a14:hiddenLine xmlns:a14="http://schemas.microsoft.com/office/drawing/2010/main" xmlns="" w="9525">
                 <a:solidFill>
                   <a:schemeClr val="tx1"/>
                 </a:solidFill>
@@ -5190,7 +5190,7 @@
               </a14:hiddenLine>
             </a:ext>
             <a:ext uri="{AF507438-7753-43e0-B8FC-AC1667EBCBE1}">
-              <a14:hiddenEffects xmlns="" xmlns:a14="http://schemas.microsoft.com/office/drawing/2010/main">
+              <a14:hiddenEffects xmlns:a14="http://schemas.microsoft.com/office/drawing/2010/main" xmlns="">
                 <a:effectLst>
                   <a:outerShdw blurRad="63500" dist="38099" dir="2700000" algn="ctr" rotWithShape="0">
                     <a:schemeClr val="bg2">
@@ -5246,14 +5246,14 @@
               <ma14:placeholderFlag xmlns:ma14="http://schemas.microsoft.com/office/mac/drawingml/2011/main" val="1"/>
             </a:ext>
             <a:ext uri="{909E8E84-426E-40dd-AFC4-6F175D3DCCD1}">
-              <a14:hiddenFill xmlns="" xmlns:a14="http://schemas.microsoft.com/office/drawing/2010/main">
+              <a14:hiddenFill xmlns:a14="http://schemas.microsoft.com/office/drawing/2010/main" xmlns="">
                 <a:solidFill>
                   <a:schemeClr val="accent1"/>
                 </a:solidFill>
               </a14:hiddenFill>
             </a:ext>
             <a:ext uri="{91240B29-F687-4f45-9708-019B960494DF}">
-              <a14:hiddenLine xmlns="" xmlns:a14="http://schemas.microsoft.com/office/drawing/2010/main" w="9525">
+              <a14:hiddenLine xmlns:a14="http://schemas.microsoft.com/office/drawing/2010/main" xmlns="" w="9525">
                 <a:solidFill>
                   <a:schemeClr val="tx1"/>
                 </a:solidFill>
@@ -5263,7 +5263,7 @@
               </a14:hiddenLine>
             </a:ext>
             <a:ext uri="{AF507438-7753-43e0-B8FC-AC1667EBCBE1}">
-              <a14:hiddenEffects xmlns="" xmlns:a14="http://schemas.microsoft.com/office/drawing/2010/main">
+              <a14:hiddenEffects xmlns:a14="http://schemas.microsoft.com/office/drawing/2010/main" xmlns="">
                 <a:effectLst>
                   <a:outerShdw blurRad="63500" dist="38099" dir="2700000" algn="ctr" rotWithShape="0">
                     <a:schemeClr val="bg2">
@@ -5347,14 +5347,14 @@
               <ma14:placeholderFlag xmlns:ma14="http://schemas.microsoft.com/office/mac/drawingml/2011/main" val="1"/>
             </a:ext>
             <a:ext uri="{909E8E84-426E-40dd-AFC4-6F175D3DCCD1}">
-              <a14:hiddenFill xmlns="" xmlns:a14="http://schemas.microsoft.com/office/drawing/2010/main">
+              <a14:hiddenFill xmlns:a14="http://schemas.microsoft.com/office/drawing/2010/main" xmlns="">
                 <a:solidFill>
                   <a:schemeClr val="accent1"/>
                 </a:solidFill>
               </a14:hiddenFill>
             </a:ext>
             <a:ext uri="{91240B29-F687-4f45-9708-019B960494DF}">
-              <a14:hiddenLine xmlns="" xmlns:a14="http://schemas.microsoft.com/office/drawing/2010/main" w="9525">
+              <a14:hiddenLine xmlns:a14="http://schemas.microsoft.com/office/drawing/2010/main" xmlns="" w="9525">
                 <a:solidFill>
                   <a:schemeClr val="tx1"/>
                 </a:solidFill>
@@ -5364,7 +5364,7 @@
               </a14:hiddenLine>
             </a:ext>
             <a:ext uri="{AF507438-7753-43e0-B8FC-AC1667EBCBE1}">
-              <a14:hiddenEffects xmlns="" xmlns:a14="http://schemas.microsoft.com/office/drawing/2010/main">
+              <a14:hiddenEffects xmlns:a14="http://schemas.microsoft.com/office/drawing/2010/main" xmlns="">
                 <a:effectLst>
                   <a:outerShdw blurRad="63500" dist="38099" dir="2700000" algn="ctr" rotWithShape="0">
                     <a:schemeClr val="bg2">
@@ -5420,14 +5420,14 @@
               <ma14:placeholderFlag xmlns:ma14="http://schemas.microsoft.com/office/mac/drawingml/2011/main" val="1"/>
             </a:ext>
             <a:ext uri="{909E8E84-426E-40dd-AFC4-6F175D3DCCD1}">
-              <a14:hiddenFill xmlns="" xmlns:a14="http://schemas.microsoft.com/office/drawing/2010/main">
+              <a14:hiddenFill xmlns:a14="http://schemas.microsoft.com/office/drawing/2010/main" xmlns="">
                 <a:solidFill>
                   <a:schemeClr val="accent1"/>
                 </a:solidFill>
               </a14:hiddenFill>
             </a:ext>
             <a:ext uri="{91240B29-F687-4f45-9708-019B960494DF}">
-              <a14:hiddenLine xmlns="" xmlns:a14="http://schemas.microsoft.com/office/drawing/2010/main" w="9525">
+              <a14:hiddenLine xmlns:a14="http://schemas.microsoft.com/office/drawing/2010/main" xmlns="" w="9525">
                 <a:solidFill>
                   <a:schemeClr val="tx1"/>
                 </a:solidFill>
@@ -5437,7 +5437,7 @@
               </a14:hiddenLine>
             </a:ext>
             <a:ext uri="{AF507438-7753-43e0-B8FC-AC1667EBCBE1}">
-              <a14:hiddenEffects xmlns="" xmlns:a14="http://schemas.microsoft.com/office/drawing/2010/main">
+              <a14:hiddenEffects xmlns:a14="http://schemas.microsoft.com/office/drawing/2010/main" xmlns="">
                 <a:effectLst>
                   <a:outerShdw blurRad="63500" dist="38099" dir="2700000" algn="ctr" rotWithShape="0">
                     <a:schemeClr val="bg2">
@@ -5493,14 +5493,14 @@
               <ma14:placeholderFlag xmlns:ma14="http://schemas.microsoft.com/office/mac/drawingml/2011/main" val="1"/>
             </a:ext>
             <a:ext uri="{909E8E84-426E-40dd-AFC4-6F175D3DCCD1}">
-              <a14:hiddenFill xmlns="" xmlns:a14="http://schemas.microsoft.com/office/drawing/2010/main">
+              <a14:hiddenFill xmlns:a14="http://schemas.microsoft.com/office/drawing/2010/main" xmlns="">
                 <a:solidFill>
                   <a:schemeClr val="accent1"/>
                 </a:solidFill>
               </a14:hiddenFill>
             </a:ext>
             <a:ext uri="{91240B29-F687-4f45-9708-019B960494DF}">
-              <a14:hiddenLine xmlns="" xmlns:a14="http://schemas.microsoft.com/office/drawing/2010/main" w="9525">
+              <a14:hiddenLine xmlns:a14="http://schemas.microsoft.com/office/drawing/2010/main" xmlns="" w="9525">
                 <a:solidFill>
                   <a:schemeClr val="tx1"/>
                 </a:solidFill>
@@ -5510,7 +5510,7 @@
               </a14:hiddenLine>
             </a:ext>
             <a:ext uri="{AF507438-7753-43e0-B8FC-AC1667EBCBE1}">
-              <a14:hiddenEffects xmlns="" xmlns:a14="http://schemas.microsoft.com/office/drawing/2010/main">
+              <a14:hiddenEffects xmlns:a14="http://schemas.microsoft.com/office/drawing/2010/main" xmlns="">
                 <a:effectLst>
                   <a:outerShdw blurRad="63500" dist="38099" dir="2700000" algn="ctr" rotWithShape="0">
                     <a:schemeClr val="bg2">
@@ -5584,7 +5584,7 @@
             <a:effectLst/>
             <a:extLst>
               <a:ext uri="{91240B29-F687-4f45-9708-019B960494DF}">
-                <a14:hiddenLine xmlns="" xmlns:a14="http://schemas.microsoft.com/office/drawing/2010/main" w="9525">
+                <a14:hiddenLine xmlns:a14="http://schemas.microsoft.com/office/drawing/2010/main" xmlns="" w="9525">
                   <a:solidFill>
                     <a:schemeClr val="tx1"/>
                   </a:solidFill>
@@ -5594,7 +5594,7 @@
                 </a14:hiddenLine>
               </a:ext>
               <a:ext uri="{AF507438-7753-43e0-B8FC-AC1667EBCBE1}">
-                <a14:hiddenEffects xmlns="" xmlns:a14="http://schemas.microsoft.com/office/drawing/2010/main">
+                <a14:hiddenEffects xmlns:a14="http://schemas.microsoft.com/office/drawing/2010/main" xmlns="">
                   <a:effectLst>
                     <a:outerShdw blurRad="63500" dist="38099" dir="2700000" algn="ctr" rotWithShape="0">
                       <a:schemeClr val="bg2">
@@ -5639,7 +5639,7 @@
             <a:effectLst/>
             <a:extLst>
               <a:ext uri="{91240B29-F687-4f45-9708-019B960494DF}">
-                <a14:hiddenLine xmlns="" xmlns:a14="http://schemas.microsoft.com/office/drawing/2010/main" w="9525">
+                <a14:hiddenLine xmlns:a14="http://schemas.microsoft.com/office/drawing/2010/main" xmlns="" w="9525">
                   <a:solidFill>
                     <a:schemeClr val="tx1"/>
                   </a:solidFill>
@@ -5649,7 +5649,7 @@
                 </a14:hiddenLine>
               </a:ext>
               <a:ext uri="{AF507438-7753-43e0-B8FC-AC1667EBCBE1}">
-                <a14:hiddenEffects xmlns="" xmlns:a14="http://schemas.microsoft.com/office/drawing/2010/main">
+                <a14:hiddenEffects xmlns:a14="http://schemas.microsoft.com/office/drawing/2010/main" xmlns="">
                   <a:effectLst>
                     <a:outerShdw blurRad="63500" dist="38099" dir="2700000" algn="ctr" rotWithShape="0">
                       <a:schemeClr val="bg2">
@@ -5694,7 +5694,7 @@
             <a:effectLst/>
             <a:extLst>
               <a:ext uri="{91240B29-F687-4f45-9708-019B960494DF}">
-                <a14:hiddenLine xmlns="" xmlns:a14="http://schemas.microsoft.com/office/drawing/2010/main" w="9525">
+                <a14:hiddenLine xmlns:a14="http://schemas.microsoft.com/office/drawing/2010/main" xmlns="" w="9525">
                   <a:solidFill>
                     <a:schemeClr val="tx1"/>
                   </a:solidFill>
@@ -5704,7 +5704,7 @@
                 </a14:hiddenLine>
               </a:ext>
               <a:ext uri="{AF507438-7753-43e0-B8FC-AC1667EBCBE1}">
-                <a14:hiddenEffects xmlns="" xmlns:a14="http://schemas.microsoft.com/office/drawing/2010/main">
+                <a14:hiddenEffects xmlns:a14="http://schemas.microsoft.com/office/drawing/2010/main" xmlns="">
                   <a:effectLst>
                     <a:outerShdw blurRad="63500" dist="38099" dir="2700000" algn="ctr" rotWithShape="0">
                       <a:schemeClr val="bg2">
@@ -5749,7 +5749,7 @@
             <a:effectLst/>
             <a:extLst>
               <a:ext uri="{91240B29-F687-4f45-9708-019B960494DF}">
-                <a14:hiddenLine xmlns="" xmlns:a14="http://schemas.microsoft.com/office/drawing/2010/main" w="9525">
+                <a14:hiddenLine xmlns:a14="http://schemas.microsoft.com/office/drawing/2010/main" xmlns="" w="9525">
                   <a:solidFill>
                     <a:schemeClr val="tx1"/>
                   </a:solidFill>
@@ -5759,7 +5759,7 @@
                 </a14:hiddenLine>
               </a:ext>
               <a:ext uri="{AF507438-7753-43e0-B8FC-AC1667EBCBE1}">
-                <a14:hiddenEffects xmlns="" xmlns:a14="http://schemas.microsoft.com/office/drawing/2010/main">
+                <a14:hiddenEffects xmlns:a14="http://schemas.microsoft.com/office/drawing/2010/main" xmlns="">
                   <a:effectLst>
                     <a:outerShdw blurRad="63500" dist="38099" dir="2700000" algn="ctr" rotWithShape="0">
                       <a:schemeClr val="bg2">
@@ -5804,7 +5804,7 @@
             <a:effectLst/>
             <a:extLst>
               <a:ext uri="{91240B29-F687-4f45-9708-019B960494DF}">
-                <a14:hiddenLine xmlns="" xmlns:a14="http://schemas.microsoft.com/office/drawing/2010/main" w="9525">
+                <a14:hiddenLine xmlns:a14="http://schemas.microsoft.com/office/drawing/2010/main" xmlns="" w="9525">
                   <a:solidFill>
                     <a:schemeClr val="tx1"/>
                   </a:solidFill>
@@ -5814,7 +5814,7 @@
                 </a14:hiddenLine>
               </a:ext>
               <a:ext uri="{AF507438-7753-43e0-B8FC-AC1667EBCBE1}">
-                <a14:hiddenEffects xmlns="" xmlns:a14="http://schemas.microsoft.com/office/drawing/2010/main">
+                <a14:hiddenEffects xmlns:a14="http://schemas.microsoft.com/office/drawing/2010/main" xmlns="">
                   <a:effectLst>
                     <a:outerShdw blurRad="63500" dist="38099" dir="2700000" algn="ctr" rotWithShape="0">
                       <a:schemeClr val="bg2">
@@ -5859,7 +5859,7 @@
             <a:effectLst/>
             <a:extLst>
               <a:ext uri="{91240B29-F687-4f45-9708-019B960494DF}">
-                <a14:hiddenLine xmlns="" xmlns:a14="http://schemas.microsoft.com/office/drawing/2010/main" w="9525">
+                <a14:hiddenLine xmlns:a14="http://schemas.microsoft.com/office/drawing/2010/main" xmlns="" w="9525">
                   <a:solidFill>
                     <a:schemeClr val="tx1"/>
                   </a:solidFill>
@@ -5869,7 +5869,7 @@
                 </a14:hiddenLine>
               </a:ext>
               <a:ext uri="{AF507438-7753-43e0-B8FC-AC1667EBCBE1}">
-                <a14:hiddenEffects xmlns="" xmlns:a14="http://schemas.microsoft.com/office/drawing/2010/main">
+                <a14:hiddenEffects xmlns:a14="http://schemas.microsoft.com/office/drawing/2010/main" xmlns="">
                   <a:effectLst>
                     <a:outerShdw blurRad="63500" dist="38099" dir="2700000" algn="ctr" rotWithShape="0">
                       <a:schemeClr val="bg2">
@@ -5914,7 +5914,7 @@
             <a:effectLst/>
             <a:extLst>
               <a:ext uri="{91240B29-F687-4f45-9708-019B960494DF}">
-                <a14:hiddenLine xmlns="" xmlns:a14="http://schemas.microsoft.com/office/drawing/2010/main" w="9525">
+                <a14:hiddenLine xmlns:a14="http://schemas.microsoft.com/office/drawing/2010/main" xmlns="" w="9525">
                   <a:solidFill>
                     <a:schemeClr val="tx1"/>
                   </a:solidFill>
@@ -5924,7 +5924,7 @@
                 </a14:hiddenLine>
               </a:ext>
               <a:ext uri="{AF507438-7753-43e0-B8FC-AC1667EBCBE1}">
-                <a14:hiddenEffects xmlns="" xmlns:a14="http://schemas.microsoft.com/office/drawing/2010/main">
+                <a14:hiddenEffects xmlns:a14="http://schemas.microsoft.com/office/drawing/2010/main" xmlns="">
                   <a:effectLst>
                     <a:outerShdw blurRad="63500" dist="38099" dir="2700000" algn="ctr" rotWithShape="0">
                       <a:schemeClr val="bg2">
@@ -5969,7 +5969,7 @@
             <a:effectLst/>
             <a:extLst>
               <a:ext uri="{91240B29-F687-4f45-9708-019B960494DF}">
-                <a14:hiddenLine xmlns="" xmlns:a14="http://schemas.microsoft.com/office/drawing/2010/main" w="9525">
+                <a14:hiddenLine xmlns:a14="http://schemas.microsoft.com/office/drawing/2010/main" xmlns="" w="9525">
                   <a:solidFill>
                     <a:schemeClr val="tx1"/>
                   </a:solidFill>
@@ -5979,7 +5979,7 @@
                 </a14:hiddenLine>
               </a:ext>
               <a:ext uri="{AF507438-7753-43e0-B8FC-AC1667EBCBE1}">
-                <a14:hiddenEffects xmlns="" xmlns:a14="http://schemas.microsoft.com/office/drawing/2010/main">
+                <a14:hiddenEffects xmlns:a14="http://schemas.microsoft.com/office/drawing/2010/main" xmlns="">
                   <a:effectLst>
                     <a:outerShdw blurRad="63500" dist="38099" dir="2700000" algn="ctr" rotWithShape="0">
                       <a:schemeClr val="bg2">
@@ -6024,7 +6024,7 @@
             <a:effectLst/>
             <a:extLst>
               <a:ext uri="{91240B29-F687-4f45-9708-019B960494DF}">
-                <a14:hiddenLine xmlns="" xmlns:a14="http://schemas.microsoft.com/office/drawing/2010/main" w="9525">
+                <a14:hiddenLine xmlns:a14="http://schemas.microsoft.com/office/drawing/2010/main" xmlns="" w="9525">
                   <a:solidFill>
                     <a:schemeClr val="tx1"/>
                   </a:solidFill>
@@ -6034,7 +6034,7 @@
                 </a14:hiddenLine>
               </a:ext>
               <a:ext uri="{AF507438-7753-43e0-B8FC-AC1667EBCBE1}">
-                <a14:hiddenEffects xmlns="" xmlns:a14="http://schemas.microsoft.com/office/drawing/2010/main">
+                <a14:hiddenEffects xmlns:a14="http://schemas.microsoft.com/office/drawing/2010/main" xmlns="">
                   <a:effectLst>
                     <a:outerShdw blurRad="63500" dist="38099" dir="2700000" algn="ctr" rotWithShape="0">
                       <a:schemeClr val="bg2">
@@ -6079,7 +6079,7 @@
             <a:effectLst/>
             <a:extLst>
               <a:ext uri="{91240B29-F687-4f45-9708-019B960494DF}">
-                <a14:hiddenLine xmlns="" xmlns:a14="http://schemas.microsoft.com/office/drawing/2010/main" w="9525">
+                <a14:hiddenLine xmlns:a14="http://schemas.microsoft.com/office/drawing/2010/main" xmlns="" w="9525">
                   <a:solidFill>
                     <a:schemeClr val="tx1"/>
                   </a:solidFill>
@@ -6089,7 +6089,7 @@
                 </a14:hiddenLine>
               </a:ext>
               <a:ext uri="{AF507438-7753-43e0-B8FC-AC1667EBCBE1}">
-                <a14:hiddenEffects xmlns="" xmlns:a14="http://schemas.microsoft.com/office/drawing/2010/main">
+                <a14:hiddenEffects xmlns:a14="http://schemas.microsoft.com/office/drawing/2010/main" xmlns="">
                   <a:effectLst>
                     <a:outerShdw blurRad="63500" dist="38099" dir="2700000" algn="ctr" rotWithShape="0">
                       <a:schemeClr val="bg2">
@@ -6134,7 +6134,7 @@
             <a:effectLst/>
             <a:extLst>
               <a:ext uri="{91240B29-F687-4f45-9708-019B960494DF}">
-                <a14:hiddenLine xmlns="" xmlns:a14="http://schemas.microsoft.com/office/drawing/2010/main" w="9525">
+                <a14:hiddenLine xmlns:a14="http://schemas.microsoft.com/office/drawing/2010/main" xmlns="" w="9525">
                   <a:solidFill>
                     <a:schemeClr val="tx1"/>
                   </a:solidFill>
@@ -6144,7 +6144,7 @@
                 </a14:hiddenLine>
               </a:ext>
               <a:ext uri="{AF507438-7753-43e0-B8FC-AC1667EBCBE1}">
-                <a14:hiddenEffects xmlns="" xmlns:a14="http://schemas.microsoft.com/office/drawing/2010/main">
+                <a14:hiddenEffects xmlns:a14="http://schemas.microsoft.com/office/drawing/2010/main" xmlns="">
                   <a:effectLst>
                     <a:outerShdw blurRad="63500" dist="38099" dir="2700000" algn="ctr" rotWithShape="0">
                       <a:schemeClr val="bg2">
@@ -6189,7 +6189,7 @@
             <a:effectLst/>
             <a:extLst>
               <a:ext uri="{91240B29-F687-4f45-9708-019B960494DF}">
-                <a14:hiddenLine xmlns="" xmlns:a14="http://schemas.microsoft.com/office/drawing/2010/main" w="9525">
+                <a14:hiddenLine xmlns:a14="http://schemas.microsoft.com/office/drawing/2010/main" xmlns="" w="9525">
                   <a:solidFill>
                     <a:schemeClr val="tx1"/>
                   </a:solidFill>
@@ -6199,7 +6199,7 @@
                 </a14:hiddenLine>
               </a:ext>
               <a:ext uri="{AF507438-7753-43e0-B8FC-AC1667EBCBE1}">
-                <a14:hiddenEffects xmlns="" xmlns:a14="http://schemas.microsoft.com/office/drawing/2010/main">
+                <a14:hiddenEffects xmlns:a14="http://schemas.microsoft.com/office/drawing/2010/main" xmlns="">
                   <a:effectLst>
                     <a:outerShdw blurRad="63500" dist="38099" dir="2700000" algn="ctr" rotWithShape="0">
                       <a:schemeClr val="bg2">
@@ -6244,7 +6244,7 @@
             <a:effectLst/>
             <a:extLst>
               <a:ext uri="{91240B29-F687-4f45-9708-019B960494DF}">
-                <a14:hiddenLine xmlns="" xmlns:a14="http://schemas.microsoft.com/office/drawing/2010/main" w="9525">
+                <a14:hiddenLine xmlns:a14="http://schemas.microsoft.com/office/drawing/2010/main" xmlns="" w="9525">
                   <a:solidFill>
                     <a:schemeClr val="tx1"/>
                   </a:solidFill>
@@ -6254,7 +6254,7 @@
                 </a14:hiddenLine>
               </a:ext>
               <a:ext uri="{AF507438-7753-43e0-B8FC-AC1667EBCBE1}">
-                <a14:hiddenEffects xmlns="" xmlns:a14="http://schemas.microsoft.com/office/drawing/2010/main">
+                <a14:hiddenEffects xmlns:a14="http://schemas.microsoft.com/office/drawing/2010/main" xmlns="">
                   <a:effectLst>
                     <a:outerShdw blurRad="63500" dist="38099" dir="2700000" algn="ctr" rotWithShape="0">
                       <a:schemeClr val="bg2">
@@ -6299,7 +6299,7 @@
             <a:effectLst/>
             <a:extLst>
               <a:ext uri="{91240B29-F687-4f45-9708-019B960494DF}">
-                <a14:hiddenLine xmlns="" xmlns:a14="http://schemas.microsoft.com/office/drawing/2010/main" w="9525">
+                <a14:hiddenLine xmlns:a14="http://schemas.microsoft.com/office/drawing/2010/main" xmlns="" w="9525">
                   <a:solidFill>
                     <a:schemeClr val="tx1"/>
                   </a:solidFill>
@@ -6309,7 +6309,7 @@
                 </a14:hiddenLine>
               </a:ext>
               <a:ext uri="{AF507438-7753-43e0-B8FC-AC1667EBCBE1}">
-                <a14:hiddenEffects xmlns="" xmlns:a14="http://schemas.microsoft.com/office/drawing/2010/main">
+                <a14:hiddenEffects xmlns:a14="http://schemas.microsoft.com/office/drawing/2010/main" xmlns="">
                   <a:effectLst>
                     <a:outerShdw blurRad="63500" dist="38099" dir="2700000" algn="ctr" rotWithShape="0">
                       <a:schemeClr val="bg2">
@@ -6354,7 +6354,7 @@
             <a:effectLst/>
             <a:extLst>
               <a:ext uri="{91240B29-F687-4f45-9708-019B960494DF}">
-                <a14:hiddenLine xmlns="" xmlns:a14="http://schemas.microsoft.com/office/drawing/2010/main" w="9525">
+                <a14:hiddenLine xmlns:a14="http://schemas.microsoft.com/office/drawing/2010/main" xmlns="" w="9525">
                   <a:solidFill>
                     <a:schemeClr val="tx1"/>
                   </a:solidFill>
@@ -6364,7 +6364,7 @@
                 </a14:hiddenLine>
               </a:ext>
               <a:ext uri="{AF507438-7753-43e0-B8FC-AC1667EBCBE1}">
-                <a14:hiddenEffects xmlns="" xmlns:a14="http://schemas.microsoft.com/office/drawing/2010/main">
+                <a14:hiddenEffects xmlns:a14="http://schemas.microsoft.com/office/drawing/2010/main" xmlns="">
                   <a:effectLst>
                     <a:outerShdw blurRad="63500" dist="38099" dir="2700000" algn="ctr" rotWithShape="0">
                       <a:schemeClr val="bg2">
@@ -6409,7 +6409,7 @@
             <a:effectLst/>
             <a:extLst>
               <a:ext uri="{91240B29-F687-4f45-9708-019B960494DF}">
-                <a14:hiddenLine xmlns="" xmlns:a14="http://schemas.microsoft.com/office/drawing/2010/main" w="9525">
+                <a14:hiddenLine xmlns:a14="http://schemas.microsoft.com/office/drawing/2010/main" xmlns="" w="9525">
                   <a:solidFill>
                     <a:schemeClr val="tx1"/>
                   </a:solidFill>
@@ -6419,7 +6419,7 @@
                 </a14:hiddenLine>
               </a:ext>
               <a:ext uri="{AF507438-7753-43e0-B8FC-AC1667EBCBE1}">
-                <a14:hiddenEffects xmlns="" xmlns:a14="http://schemas.microsoft.com/office/drawing/2010/main">
+                <a14:hiddenEffects xmlns:a14="http://schemas.microsoft.com/office/drawing/2010/main" xmlns="">
                   <a:effectLst>
                     <a:outerShdw blurRad="63500" dist="38099" dir="2700000" algn="ctr" rotWithShape="0">
                       <a:schemeClr val="bg2">
@@ -6464,7 +6464,7 @@
             <a:effectLst/>
             <a:extLst>
               <a:ext uri="{91240B29-F687-4f45-9708-019B960494DF}">
-                <a14:hiddenLine xmlns="" xmlns:a14="http://schemas.microsoft.com/office/drawing/2010/main" w="9525">
+                <a14:hiddenLine xmlns:a14="http://schemas.microsoft.com/office/drawing/2010/main" xmlns="" w="9525">
                   <a:solidFill>
                     <a:schemeClr val="tx1"/>
                   </a:solidFill>
@@ -6474,7 +6474,7 @@
                 </a14:hiddenLine>
               </a:ext>
               <a:ext uri="{AF507438-7753-43e0-B8FC-AC1667EBCBE1}">
-                <a14:hiddenEffects xmlns="" xmlns:a14="http://schemas.microsoft.com/office/drawing/2010/main">
+                <a14:hiddenEffects xmlns:a14="http://schemas.microsoft.com/office/drawing/2010/main" xmlns="">
                   <a:effectLst>
                     <a:outerShdw blurRad="63500" dist="38099" dir="2700000" algn="ctr" rotWithShape="0">
                       <a:schemeClr val="bg2">
@@ -6519,7 +6519,7 @@
             <a:effectLst/>
             <a:extLst>
               <a:ext uri="{91240B29-F687-4f45-9708-019B960494DF}">
-                <a14:hiddenLine xmlns="" xmlns:a14="http://schemas.microsoft.com/office/drawing/2010/main" w="9525">
+                <a14:hiddenLine xmlns:a14="http://schemas.microsoft.com/office/drawing/2010/main" xmlns="" w="9525">
                   <a:solidFill>
                     <a:schemeClr val="tx1"/>
                   </a:solidFill>
@@ -6529,7 +6529,7 @@
                 </a14:hiddenLine>
               </a:ext>
               <a:ext uri="{AF507438-7753-43e0-B8FC-AC1667EBCBE1}">
-                <a14:hiddenEffects xmlns="" xmlns:a14="http://schemas.microsoft.com/office/drawing/2010/main">
+                <a14:hiddenEffects xmlns:a14="http://schemas.microsoft.com/office/drawing/2010/main" xmlns="">
                   <a:effectLst>
                     <a:outerShdw blurRad="63500" dist="38099" dir="2700000" algn="ctr" rotWithShape="0">
                       <a:schemeClr val="bg2">
@@ -6574,7 +6574,7 @@
             <a:effectLst/>
             <a:extLst>
               <a:ext uri="{91240B29-F687-4f45-9708-019B960494DF}">
-                <a14:hiddenLine xmlns="" xmlns:a14="http://schemas.microsoft.com/office/drawing/2010/main" w="9525">
+                <a14:hiddenLine xmlns:a14="http://schemas.microsoft.com/office/drawing/2010/main" xmlns="" w="9525">
                   <a:solidFill>
                     <a:schemeClr val="tx1"/>
                   </a:solidFill>
@@ -6584,7 +6584,7 @@
                 </a14:hiddenLine>
               </a:ext>
               <a:ext uri="{AF507438-7753-43e0-B8FC-AC1667EBCBE1}">
-                <a14:hiddenEffects xmlns="" xmlns:a14="http://schemas.microsoft.com/office/drawing/2010/main">
+                <a14:hiddenEffects xmlns:a14="http://schemas.microsoft.com/office/drawing/2010/main" xmlns="">
                   <a:effectLst>
                     <a:outerShdw blurRad="63500" dist="38099" dir="2700000" algn="ctr" rotWithShape="0">
                       <a:schemeClr val="bg2">
@@ -6629,7 +6629,7 @@
             <a:effectLst/>
             <a:extLst>
               <a:ext uri="{91240B29-F687-4f45-9708-019B960494DF}">
-                <a14:hiddenLine xmlns="" xmlns:a14="http://schemas.microsoft.com/office/drawing/2010/main" w="9525">
+                <a14:hiddenLine xmlns:a14="http://schemas.microsoft.com/office/drawing/2010/main" xmlns="" w="9525">
                   <a:solidFill>
                     <a:schemeClr val="tx1"/>
                   </a:solidFill>
@@ -6639,7 +6639,7 @@
                 </a14:hiddenLine>
               </a:ext>
               <a:ext uri="{AF507438-7753-43e0-B8FC-AC1667EBCBE1}">
-                <a14:hiddenEffects xmlns="" xmlns:a14="http://schemas.microsoft.com/office/drawing/2010/main">
+                <a14:hiddenEffects xmlns:a14="http://schemas.microsoft.com/office/drawing/2010/main" xmlns="">
                   <a:effectLst>
                     <a:outerShdw blurRad="63500" dist="38099" dir="2700000" algn="ctr" rotWithShape="0">
                       <a:schemeClr val="bg2">
@@ -6684,7 +6684,7 @@
             <a:effectLst/>
             <a:extLst>
               <a:ext uri="{91240B29-F687-4f45-9708-019B960494DF}">
-                <a14:hiddenLine xmlns="" xmlns:a14="http://schemas.microsoft.com/office/drawing/2010/main" w="9525">
+                <a14:hiddenLine xmlns:a14="http://schemas.microsoft.com/office/drawing/2010/main" xmlns="" w="9525">
                   <a:solidFill>
                     <a:schemeClr val="tx1"/>
                   </a:solidFill>
@@ -6694,7 +6694,7 @@
                 </a14:hiddenLine>
               </a:ext>
               <a:ext uri="{AF507438-7753-43e0-B8FC-AC1667EBCBE1}">
-                <a14:hiddenEffects xmlns="" xmlns:a14="http://schemas.microsoft.com/office/drawing/2010/main">
+                <a14:hiddenEffects xmlns:a14="http://schemas.microsoft.com/office/drawing/2010/main" xmlns="">
                   <a:effectLst>
                     <a:outerShdw blurRad="63500" dist="38099" dir="2700000" algn="ctr" rotWithShape="0">
                       <a:schemeClr val="bg2">
@@ -6739,7 +6739,7 @@
             <a:effectLst/>
             <a:extLst>
               <a:ext uri="{91240B29-F687-4f45-9708-019B960494DF}">
-                <a14:hiddenLine xmlns="" xmlns:a14="http://schemas.microsoft.com/office/drawing/2010/main" w="9525">
+                <a14:hiddenLine xmlns:a14="http://schemas.microsoft.com/office/drawing/2010/main" xmlns="" w="9525">
                   <a:solidFill>
                     <a:schemeClr val="tx1"/>
                   </a:solidFill>
@@ -6749,7 +6749,7 @@
                 </a14:hiddenLine>
               </a:ext>
               <a:ext uri="{AF507438-7753-43e0-B8FC-AC1667EBCBE1}">
-                <a14:hiddenEffects xmlns="" xmlns:a14="http://schemas.microsoft.com/office/drawing/2010/main">
+                <a14:hiddenEffects xmlns:a14="http://schemas.microsoft.com/office/drawing/2010/main" xmlns="">
                   <a:effectLst>
                     <a:outerShdw blurRad="63500" dist="38099" dir="2700000" algn="ctr" rotWithShape="0">
                       <a:schemeClr val="bg2">
@@ -6794,7 +6794,7 @@
             <a:effectLst/>
             <a:extLst>
               <a:ext uri="{91240B29-F687-4f45-9708-019B960494DF}">
-                <a14:hiddenLine xmlns="" xmlns:a14="http://schemas.microsoft.com/office/drawing/2010/main" w="9525">
+                <a14:hiddenLine xmlns:a14="http://schemas.microsoft.com/office/drawing/2010/main" xmlns="" w="9525">
                   <a:solidFill>
                     <a:schemeClr val="tx1"/>
                   </a:solidFill>
@@ -6804,7 +6804,7 @@
                 </a14:hiddenLine>
               </a:ext>
               <a:ext uri="{AF507438-7753-43e0-B8FC-AC1667EBCBE1}">
-                <a14:hiddenEffects xmlns="" xmlns:a14="http://schemas.microsoft.com/office/drawing/2010/main">
+                <a14:hiddenEffects xmlns:a14="http://schemas.microsoft.com/office/drawing/2010/main" xmlns="">
                   <a:effectLst>
                     <a:outerShdw blurRad="63500" dist="38099" dir="2700000" algn="ctr" rotWithShape="0">
                       <a:schemeClr val="bg2">
@@ -6849,7 +6849,7 @@
             <a:effectLst/>
             <a:extLst>
               <a:ext uri="{91240B29-F687-4f45-9708-019B960494DF}">
-                <a14:hiddenLine xmlns="" xmlns:a14="http://schemas.microsoft.com/office/drawing/2010/main" w="9525">
+                <a14:hiddenLine xmlns:a14="http://schemas.microsoft.com/office/drawing/2010/main" xmlns="" w="9525">
                   <a:solidFill>
                     <a:schemeClr val="tx1"/>
                   </a:solidFill>
@@ -6859,7 +6859,7 @@
                 </a14:hiddenLine>
               </a:ext>
               <a:ext uri="{AF507438-7753-43e0-B8FC-AC1667EBCBE1}">
-                <a14:hiddenEffects xmlns="" xmlns:a14="http://schemas.microsoft.com/office/drawing/2010/main">
+                <a14:hiddenEffects xmlns:a14="http://schemas.microsoft.com/office/drawing/2010/main" xmlns="">
                   <a:effectLst>
                     <a:outerShdw blurRad="63500" dist="38099" dir="2700000" algn="ctr" rotWithShape="0">
                       <a:schemeClr val="bg2">
@@ -6904,7 +6904,7 @@
             <a:effectLst/>
             <a:extLst>
               <a:ext uri="{91240B29-F687-4f45-9708-019B960494DF}">
-                <a14:hiddenLine xmlns="" xmlns:a14="http://schemas.microsoft.com/office/drawing/2010/main" w="9525">
+                <a14:hiddenLine xmlns:a14="http://schemas.microsoft.com/office/drawing/2010/main" xmlns="" w="9525">
                   <a:solidFill>
                     <a:schemeClr val="tx1"/>
                   </a:solidFill>
@@ -6914,7 +6914,7 @@
                 </a14:hiddenLine>
               </a:ext>
               <a:ext uri="{AF507438-7753-43e0-B8FC-AC1667EBCBE1}">
-                <a14:hiddenEffects xmlns="" xmlns:a14="http://schemas.microsoft.com/office/drawing/2010/main">
+                <a14:hiddenEffects xmlns:a14="http://schemas.microsoft.com/office/drawing/2010/main" xmlns="">
                   <a:effectLst>
                     <a:outerShdw blurRad="63500" dist="38099" dir="2700000" algn="ctr" rotWithShape="0">
                       <a:schemeClr val="bg2">
@@ -6959,7 +6959,7 @@
             <a:effectLst/>
             <a:extLst>
               <a:ext uri="{91240B29-F687-4f45-9708-019B960494DF}">
-                <a14:hiddenLine xmlns="" xmlns:a14="http://schemas.microsoft.com/office/drawing/2010/main" w="9525">
+                <a14:hiddenLine xmlns:a14="http://schemas.microsoft.com/office/drawing/2010/main" xmlns="" w="9525">
                   <a:solidFill>
                     <a:schemeClr val="tx1"/>
                   </a:solidFill>
@@ -6969,7 +6969,7 @@
                 </a14:hiddenLine>
               </a:ext>
               <a:ext uri="{AF507438-7753-43e0-B8FC-AC1667EBCBE1}">
-                <a14:hiddenEffects xmlns="" xmlns:a14="http://schemas.microsoft.com/office/drawing/2010/main">
+                <a14:hiddenEffects xmlns:a14="http://schemas.microsoft.com/office/drawing/2010/main" xmlns="">
                   <a:effectLst>
                     <a:outerShdw blurRad="63500" dist="38099" dir="2700000" algn="ctr" rotWithShape="0">
                       <a:schemeClr val="bg2">
@@ -7014,7 +7014,7 @@
             <a:effectLst/>
             <a:extLst>
               <a:ext uri="{91240B29-F687-4f45-9708-019B960494DF}">
-                <a14:hiddenLine xmlns="" xmlns:a14="http://schemas.microsoft.com/office/drawing/2010/main" w="9525">
+                <a14:hiddenLine xmlns:a14="http://schemas.microsoft.com/office/drawing/2010/main" xmlns="" w="9525">
                   <a:solidFill>
                     <a:schemeClr val="tx1"/>
                   </a:solidFill>
@@ -7024,7 +7024,7 @@
                 </a14:hiddenLine>
               </a:ext>
               <a:ext uri="{AF507438-7753-43e0-B8FC-AC1667EBCBE1}">
-                <a14:hiddenEffects xmlns="" xmlns:a14="http://schemas.microsoft.com/office/drawing/2010/main">
+                <a14:hiddenEffects xmlns:a14="http://schemas.microsoft.com/office/drawing/2010/main" xmlns="">
                   <a:effectLst>
                     <a:outerShdw blurRad="63500" dist="38099" dir="2700000" algn="ctr" rotWithShape="0">
                       <a:schemeClr val="bg2">
@@ -7069,7 +7069,7 @@
             <a:effectLst/>
             <a:extLst>
               <a:ext uri="{91240B29-F687-4f45-9708-019B960494DF}">
-                <a14:hiddenLine xmlns="" xmlns:a14="http://schemas.microsoft.com/office/drawing/2010/main" w="9525">
+                <a14:hiddenLine xmlns:a14="http://schemas.microsoft.com/office/drawing/2010/main" xmlns="" w="9525">
                   <a:solidFill>
                     <a:schemeClr val="tx1"/>
                   </a:solidFill>
@@ -7079,7 +7079,7 @@
                 </a14:hiddenLine>
               </a:ext>
               <a:ext uri="{AF507438-7753-43e0-B8FC-AC1667EBCBE1}">
-                <a14:hiddenEffects xmlns="" xmlns:a14="http://schemas.microsoft.com/office/drawing/2010/main">
+                <a14:hiddenEffects xmlns:a14="http://schemas.microsoft.com/office/drawing/2010/main" xmlns="">
                   <a:effectLst>
                     <a:outerShdw blurRad="63500" dist="38099" dir="2700000" algn="ctr" rotWithShape="0">
                       <a:schemeClr val="bg2">
@@ -7124,7 +7124,7 @@
             <a:effectLst/>
             <a:extLst>
               <a:ext uri="{91240B29-F687-4f45-9708-019B960494DF}">
-                <a14:hiddenLine xmlns="" xmlns:a14="http://schemas.microsoft.com/office/drawing/2010/main" w="9525">
+                <a14:hiddenLine xmlns:a14="http://schemas.microsoft.com/office/drawing/2010/main" xmlns="" w="9525">
                   <a:solidFill>
                     <a:schemeClr val="tx1"/>
                   </a:solidFill>
@@ -7134,7 +7134,7 @@
                 </a14:hiddenLine>
               </a:ext>
               <a:ext uri="{AF507438-7753-43e0-B8FC-AC1667EBCBE1}">
-                <a14:hiddenEffects xmlns="" xmlns:a14="http://schemas.microsoft.com/office/drawing/2010/main">
+                <a14:hiddenEffects xmlns:a14="http://schemas.microsoft.com/office/drawing/2010/main" xmlns="">
                   <a:effectLst>
                     <a:outerShdw blurRad="63500" dist="38099" dir="2700000" algn="ctr" rotWithShape="0">
                       <a:schemeClr val="bg2">
@@ -7179,7 +7179,7 @@
             <a:effectLst/>
             <a:extLst>
               <a:ext uri="{91240B29-F687-4f45-9708-019B960494DF}">
-                <a14:hiddenLine xmlns="" xmlns:a14="http://schemas.microsoft.com/office/drawing/2010/main" w="9525">
+                <a14:hiddenLine xmlns:a14="http://schemas.microsoft.com/office/drawing/2010/main" xmlns="" w="9525">
                   <a:solidFill>
                     <a:schemeClr val="tx1"/>
                   </a:solidFill>
@@ -7189,7 +7189,7 @@
                 </a14:hiddenLine>
               </a:ext>
               <a:ext uri="{AF507438-7753-43e0-B8FC-AC1667EBCBE1}">
-                <a14:hiddenEffects xmlns="" xmlns:a14="http://schemas.microsoft.com/office/drawing/2010/main">
+                <a14:hiddenEffects xmlns:a14="http://schemas.microsoft.com/office/drawing/2010/main" xmlns="">
                   <a:effectLst>
                     <a:outerShdw blurRad="63500" dist="38099" dir="2700000" algn="ctr" rotWithShape="0">
                       <a:schemeClr val="bg2">
@@ -7234,7 +7234,7 @@
             <a:effectLst/>
             <a:extLst>
               <a:ext uri="{91240B29-F687-4f45-9708-019B960494DF}">
-                <a14:hiddenLine xmlns="" xmlns:a14="http://schemas.microsoft.com/office/drawing/2010/main" w="9525">
+                <a14:hiddenLine xmlns:a14="http://schemas.microsoft.com/office/drawing/2010/main" xmlns="" w="9525">
                   <a:solidFill>
                     <a:schemeClr val="tx1"/>
                   </a:solidFill>
@@ -7244,7 +7244,7 @@
                 </a14:hiddenLine>
               </a:ext>
               <a:ext uri="{AF507438-7753-43e0-B8FC-AC1667EBCBE1}">
-                <a14:hiddenEffects xmlns="" xmlns:a14="http://schemas.microsoft.com/office/drawing/2010/main">
+                <a14:hiddenEffects xmlns:a14="http://schemas.microsoft.com/office/drawing/2010/main" xmlns="">
                   <a:effectLst>
                     <a:outerShdw blurRad="63500" dist="38099" dir="2700000" algn="ctr" rotWithShape="0">
                       <a:schemeClr val="bg2">
@@ -8432,7 +8432,7 @@
           <a:effectLst/>
           <a:extLst>
             <a:ext uri="{AF507438-7753-43e0-B8FC-AC1667EBCBE1}">
-              <a14:hiddenEffects xmlns="" xmlns:a14="http://schemas.microsoft.com/office/drawing/2010/main">
+              <a14:hiddenEffects xmlns:a14="http://schemas.microsoft.com/office/drawing/2010/main" xmlns="">
                 <a:effectLst>
                   <a:outerShdw blurRad="63500" dist="38099" dir="2700000" algn="ctr" rotWithShape="0">
                     <a:schemeClr val="bg2">
@@ -8723,7 +8723,7 @@
           <a:effectLst/>
           <a:extLst>
             <a:ext uri="{AF507438-7753-43e0-B8FC-AC1667EBCBE1}">
-              <a14:hiddenEffects xmlns="" xmlns:a14="http://schemas.microsoft.com/office/drawing/2010/main">
+              <a14:hiddenEffects xmlns:a14="http://schemas.microsoft.com/office/drawing/2010/main" xmlns="">
                 <a:effectLst>
                   <a:outerShdw blurRad="63500" dist="38099" dir="2700000" algn="ctr" rotWithShape="0">
                     <a:schemeClr val="bg2">
@@ -8996,7 +8996,7 @@
           <a:effectLst/>
           <a:extLst>
             <a:ext uri="{AF507438-7753-43e0-B8FC-AC1667EBCBE1}">
-              <a14:hiddenEffects xmlns="" xmlns:a14="http://schemas.microsoft.com/office/drawing/2010/main">
+              <a14:hiddenEffects xmlns:a14="http://schemas.microsoft.com/office/drawing/2010/main" xmlns="">
                 <a:effectLst>
                   <a:outerShdw blurRad="63500" dist="38099" dir="2700000" algn="ctr" rotWithShape="0">
                     <a:schemeClr val="bg2">
@@ -9272,7 +9272,7 @@
           <a:effectLst/>
           <a:extLst>
             <a:ext uri="{AF507438-7753-43e0-B8FC-AC1667EBCBE1}">
-              <a14:hiddenEffects xmlns="" xmlns:a14="http://schemas.microsoft.com/office/drawing/2010/main">
+              <a14:hiddenEffects xmlns:a14="http://schemas.microsoft.com/office/drawing/2010/main" xmlns="">
                 <a:effectLst>
                   <a:outerShdw blurRad="63500" dist="38099" dir="2700000" algn="ctr" rotWithShape="0">
                     <a:schemeClr val="bg2">
@@ -9855,7 +9855,7 @@
           <a:effectLst/>
           <a:extLst>
             <a:ext uri="{AF507438-7753-43e0-B8FC-AC1667EBCBE1}">
-              <a14:hiddenEffects xmlns="" xmlns:a14="http://schemas.microsoft.com/office/drawing/2010/main">
+              <a14:hiddenEffects xmlns:a14="http://schemas.microsoft.com/office/drawing/2010/main" xmlns="">
                 <a:effectLst>
                   <a:outerShdw blurRad="63500" dist="38099" dir="2700000" algn="ctr" rotWithShape="0">
                     <a:schemeClr val="bg2">
@@ -11953,7 +11953,25 @@
           <a:p>
             <a:r>
               <a:rPr lang="en-US" sz="2000" dirty="0"/>
-              <a:t> One way to translate the AST pattern for the while loop into a code pattern in Exp1bytecode is</a:t>
+              <a:t>W</a:t>
+            </a:r>
+            <a:r>
+              <a:rPr lang="en-US" sz="2000" dirty="0" smtClean="0"/>
+              <a:t>e </a:t>
+            </a:r>
+            <a:r>
+              <a:rPr lang="en-US" sz="2000" dirty="0"/>
+              <a:t>have to “simulate” the behavior of the Cuppa1 “while” loop with jump statements in Exp1bytecode. </a:t>
+            </a:r>
+          </a:p>
+          <a:p>
+            <a:r>
+              <a:rPr lang="en-US" sz="2000" dirty="0" smtClean="0"/>
+              <a:t>One </a:t>
+            </a:r>
+            <a:r>
+              <a:rPr lang="en-US" sz="2000" dirty="0"/>
+              <a:t>way to translate the AST pattern for the while loop into a code pattern in Exp1bytecode is</a:t>
             </a:r>
             <a:r>
               <a:rPr lang="en-US" sz="2000" dirty="0" smtClean="0"/>
@@ -11971,12 +11989,6 @@
           </a:p>
           <a:p>
             <a:endParaRPr lang="en-US" sz="2000" dirty="0" smtClean="0"/>
-          </a:p>
-          <a:p>
-            <a:r>
-              <a:rPr lang="en-US" sz="2000" dirty="0" smtClean="0"/>
-              <a:t>Note that we have to “simulate” the behavior of the Cuppa1 “while” loop with jump statements in Exp1bytecode. </a:t>
-            </a:r>
           </a:p>
           <a:p>
             <a:endParaRPr lang="en-US" dirty="0"/>
@@ -11999,7 +12011,7 @@
         </p:blipFill>
         <p:spPr>
           <a:xfrm>
-            <a:off x="1651000" y="2590800"/>
+            <a:off x="1651000" y="3225800"/>
             <a:ext cx="5842000" cy="1727200"/>
           </a:xfrm>
           <a:prstGeom prst="rect">
@@ -12707,7 +12719,7 @@
         <a:effectLst/>
         <a:extLst>
           <a:ext uri="{AF507438-7753-43e0-B8FC-AC1667EBCBE1}">
-            <a14:hiddenEffects xmlns="" xmlns:a14="http://schemas.microsoft.com/office/drawing/2010/main">
+            <a14:hiddenEffects xmlns:a14="http://schemas.microsoft.com/office/drawing/2010/main" xmlns="">
               <a:effectLst>
                 <a:outerShdw blurRad="63500" dist="38099" dir="2700000" algn="ctr" rotWithShape="0">
                   <a:schemeClr val="bg2">
@@ -12784,7 +12796,7 @@
         <a:effectLst/>
         <a:extLst>
           <a:ext uri="{AF507438-7753-43e0-B8FC-AC1667EBCBE1}">
-            <a14:hiddenEffects xmlns="" xmlns:a14="http://schemas.microsoft.com/office/drawing/2010/main">
+            <a14:hiddenEffects xmlns:a14="http://schemas.microsoft.com/office/drawing/2010/main" xmlns="">
               <a:effectLst>
                 <a:outerShdw blurRad="63500" dist="38099" dir="2700000" algn="ctr" rotWithShape="0">
                   <a:schemeClr val="bg2">

--- a/csc402-ln007.pptx
+++ b/csc402-ln007.pptx
@@ -8137,7 +8137,15 @@
             </a:r>
             <a:r>
               <a:rPr lang="en-US" dirty="0"/>
-              <a:t> and Cuppa1 expression patterns will generated Exp1bytecode expressions returned as </a:t>
+              <a:t> and Cuppa1 expression patterns will </a:t>
+            </a:r>
+            <a:r>
+              <a:rPr lang="en-US" dirty="0" smtClean="0"/>
+              <a:t>generate Exp1bytecode </a:t>
+            </a:r>
+            <a:r>
+              <a:rPr lang="en-US" dirty="0"/>
+              <a:t>expressions returned as </a:t>
             </a:r>
             <a:r>
               <a:rPr lang="en-US" i="1" dirty="0"/>
